--- a/results/images/categories_attendance.pptx
+++ b/results/images/categories_attendance.pptx
@@ -125,6 +125,7 @@
       <c:style val="2"/>
     </mc:Fallback>
   </mc:AlternateContent>
+  <c:clrMapOvr bg1="lt1" tx1="dk1" bg2="lt2" tx2="dk2" accent1="accent1" accent2="accent2" accent3="accent3" accent4="accent4" accent5="accent5" accent6="accent6" hlink="hlink" folHlink="folHlink"/>
   <c:chart>
     <c:autoTitleDeleted val="1"/>
     <c:plotArea>
@@ -142,14 +143,14 @@
               <c:strCache>
                 <c:ptCount val="1"/>
                 <c:pt idx="0">
-                  <c:v># Repositories</c:v>
+                  <c:v># Projects</c:v>
                 </c:pt>
               </c:strCache>
             </c:strRef>
           </c:tx>
           <c:spPr>
             <a:solidFill>
-              <a:srgbClr val="FF5050"/>
+              <a:srgbClr val="5B9BD5"/>
             </a:solidFill>
             <a:ln>
               <a:noFill/>
@@ -159,7 +160,7 @@
           <c:invertIfNegative val="0"/>
           <c:val>
             <c:numRef>
-              <c:f>'Meet the categories'!$C$4:$H$4</c:f>
+              <c:f>'Meet the categories'!$D$4:$I$4</c:f>
               <c:numCache>
                 <c:formatCode>0</c:formatCode>
                 <c:ptCount val="6"/>
@@ -198,7 +199,7 @@
           <c:showPercent val="0"/>
           <c:showBubbleSize val="0"/>
         </c:dLbls>
-        <c:gapWidth val="219"/>
+        <c:gapWidth val="100"/>
         <c:overlap val="-27"/>
         <c:axId val="1769513375"/>
         <c:axId val="1339442863"/>
@@ -221,7 +222,7 @@
             </c:strRef>
           </c:tx>
           <c:spPr>
-            <a:ln w="28575" cap="rnd">
+            <a:ln w="76200" cap="rnd">
               <a:solidFill>
                 <a:schemeClr val="tx1"/>
               </a:solidFill>
@@ -235,9 +236,9 @@
           </c:marker>
           <c:val>
             <c:numRef>
-              <c:f>'Meet the categories'!$C$5:$H$5</c:f>
+              <c:f>'Meet the categories'!$D$5:$I$5</c:f>
               <c:numCache>
-                <c:formatCode>General</c:formatCode>
+                <c:formatCode>0</c:formatCode>
                 <c:ptCount val="6"/>
                 <c:pt idx="0">
                   <c:v>83.333333333333329</c:v>
@@ -287,6 +288,55 @@
         </c:scaling>
         <c:delete val="0"/>
         <c:axPos val="b"/>
+        <c:title>
+          <c:tx>
+            <c:rich>
+              <a:bodyPr rot="0" spcFirstLastPara="1" vertOverflow="ellipsis" vert="horz" wrap="square" anchor="ctr" anchorCtr="1"/>
+              <a:lstStyle/>
+              <a:p>
+                <a:pPr>
+                  <a:defRPr sz="2500" b="0" i="0" u="none" strike="noStrike" kern="1200" baseline="0">
+                    <a:solidFill>
+                      <a:schemeClr val="tx1"/>
+                    </a:solidFill>
+                    <a:latin typeface="+mn-lt"/>
+                    <a:ea typeface="+mn-ea"/>
+                    <a:cs typeface="+mn-cs"/>
+                  </a:defRPr>
+                </a:pPr>
+                <a:r>
+                  <a:rPr lang="en-US" dirty="0"/>
+                  <a:t># Categories</a:t>
+                </a:r>
+              </a:p>
+            </c:rich>
+          </c:tx>
+          <c:overlay val="0"/>
+          <c:spPr>
+            <a:noFill/>
+            <a:ln>
+              <a:noFill/>
+            </a:ln>
+            <a:effectLst/>
+          </c:spPr>
+          <c:txPr>
+            <a:bodyPr rot="0" spcFirstLastPara="1" vertOverflow="ellipsis" vert="horz" wrap="square" anchor="ctr" anchorCtr="1"/>
+            <a:lstStyle/>
+            <a:p>
+              <a:pPr>
+                <a:defRPr sz="2500" b="0" i="0" u="none" strike="noStrike" kern="1200" baseline="0">
+                  <a:solidFill>
+                    <a:schemeClr val="tx1"/>
+                  </a:solidFill>
+                  <a:latin typeface="+mn-lt"/>
+                  <a:ea typeface="+mn-ea"/>
+                  <a:cs typeface="+mn-cs"/>
+                </a:defRPr>
+              </a:pPr>
+              <a:endParaRPr lang="en-US"/>
+            </a:p>
+          </c:txPr>
+        </c:title>
         <c:majorTickMark val="none"/>
         <c:minorTickMark val="none"/>
         <c:tickLblPos val="nextTo"/>
@@ -348,6 +398,55 @@
             <a:effectLst/>
           </c:spPr>
         </c:majorGridlines>
+        <c:title>
+          <c:tx>
+            <c:rich>
+              <a:bodyPr rot="-5400000" spcFirstLastPara="1" vertOverflow="ellipsis" vert="horz" wrap="square" anchor="ctr" anchorCtr="1"/>
+              <a:lstStyle/>
+              <a:p>
+                <a:pPr>
+                  <a:defRPr sz="2500" b="0" i="0" u="none" strike="noStrike" kern="1200" baseline="0">
+                    <a:solidFill>
+                      <a:schemeClr val="tx1"/>
+                    </a:solidFill>
+                    <a:latin typeface="+mn-lt"/>
+                    <a:ea typeface="+mn-ea"/>
+                    <a:cs typeface="+mn-cs"/>
+                  </a:defRPr>
+                </a:pPr>
+                <a:r>
+                  <a:rPr lang="en-US" dirty="0"/>
+                  <a:t># Projects</a:t>
+                </a:r>
+              </a:p>
+            </c:rich>
+          </c:tx>
+          <c:overlay val="0"/>
+          <c:spPr>
+            <a:noFill/>
+            <a:ln>
+              <a:noFill/>
+            </a:ln>
+            <a:effectLst/>
+          </c:spPr>
+          <c:txPr>
+            <a:bodyPr rot="-5400000" spcFirstLastPara="1" vertOverflow="ellipsis" vert="horz" wrap="square" anchor="ctr" anchorCtr="1"/>
+            <a:lstStyle/>
+            <a:p>
+              <a:pPr>
+                <a:defRPr sz="2500" b="0" i="0" u="none" strike="noStrike" kern="1200" baseline="0">
+                  <a:solidFill>
+                    <a:schemeClr val="tx1"/>
+                  </a:solidFill>
+                  <a:latin typeface="+mn-lt"/>
+                  <a:ea typeface="+mn-ea"/>
+                  <a:cs typeface="+mn-cs"/>
+                </a:defRPr>
+              </a:pPr>
+              <a:endParaRPr lang="en-US"/>
+            </a:p>
+          </c:txPr>
+        </c:title>
         <c:numFmt formatCode="General" sourceLinked="1"/>
         <c:majorTickMark val="none"/>
         <c:minorTickMark val="none"/>
@@ -393,7 +492,7 @@
       </c:spPr>
     </c:plotArea>
     <c:legend>
-      <c:legendPos val="b"/>
+      <c:legendPos val="t"/>
       <c:overlay val="0"/>
       <c:spPr>
         <a:noFill/>
@@ -422,14 +521,8 @@
     </c:legend>
     <c:plotVisOnly val="1"/>
     <c:dispBlanksAs val="gap"/>
-    <c:extLst>
-      <c:ext xmlns:c16r3="http://schemas.microsoft.com/office/drawing/2017/03/chart" uri="{56B9EC1D-385E-4148-901F-78D8002777C0}">
-        <c16r3:dataDisplayOptions16>
-          <c16r3:dispNaAsBlank val="1"/>
-        </c16r3:dataDisplayOptions16>
-      </c:ext>
-    </c:extLst>
     <c:showDLblsOverMax val="0"/>
+    <c:extLst/>
   </c:chart>
   <c:spPr>
     <a:noFill/>
@@ -452,7 +545,7 @@
       <a:endParaRPr lang="en-US"/>
     </a:p>
   </c:txPr>
-  <c:externalData r:id="rId3">
+  <c:externalData r:id="rId4">
     <c:autoUpdate val="0"/>
   </c:externalData>
 </c:chartSpace>
@@ -1132,7 +1225,7 @@
           <a:p>
             <a:fld id="{857C8E90-7EDD-4CDC-BF79-D3D421C99482}" type="datetimeFigureOut">
               <a:rPr lang="en-US" smtClean="0"/>
-              <a:t>5/3/2021</a:t>
+              <a:t>1/31/2023</a:t>
             </a:fld>
             <a:endParaRPr lang="en-US"/>
           </a:p>
@@ -1302,7 +1395,7 @@
           <a:p>
             <a:fld id="{857C8E90-7EDD-4CDC-BF79-D3D421C99482}" type="datetimeFigureOut">
               <a:rPr lang="en-US" smtClean="0"/>
-              <a:t>5/3/2021</a:t>
+              <a:t>1/31/2023</a:t>
             </a:fld>
             <a:endParaRPr lang="en-US"/>
           </a:p>
@@ -1482,7 +1575,7 @@
           <a:p>
             <a:fld id="{857C8E90-7EDD-4CDC-BF79-D3D421C99482}" type="datetimeFigureOut">
               <a:rPr lang="en-US" smtClean="0"/>
-              <a:t>5/3/2021</a:t>
+              <a:t>1/31/2023</a:t>
             </a:fld>
             <a:endParaRPr lang="en-US"/>
           </a:p>
@@ -1652,7 +1745,7 @@
           <a:p>
             <a:fld id="{857C8E90-7EDD-4CDC-BF79-D3D421C99482}" type="datetimeFigureOut">
               <a:rPr lang="en-US" smtClean="0"/>
-              <a:t>5/3/2021</a:t>
+              <a:t>1/31/2023</a:t>
             </a:fld>
             <a:endParaRPr lang="en-US"/>
           </a:p>
@@ -1896,7 +1989,7 @@
           <a:p>
             <a:fld id="{857C8E90-7EDD-4CDC-BF79-D3D421C99482}" type="datetimeFigureOut">
               <a:rPr lang="en-US" smtClean="0"/>
-              <a:t>5/3/2021</a:t>
+              <a:t>1/31/2023</a:t>
             </a:fld>
             <a:endParaRPr lang="en-US"/>
           </a:p>
@@ -2128,7 +2221,7 @@
           <a:p>
             <a:fld id="{857C8E90-7EDD-4CDC-BF79-D3D421C99482}" type="datetimeFigureOut">
               <a:rPr lang="en-US" smtClean="0"/>
-              <a:t>5/3/2021</a:t>
+              <a:t>1/31/2023</a:t>
             </a:fld>
             <a:endParaRPr lang="en-US"/>
           </a:p>
@@ -2495,7 +2588,7 @@
           <a:p>
             <a:fld id="{857C8E90-7EDD-4CDC-BF79-D3D421C99482}" type="datetimeFigureOut">
               <a:rPr lang="en-US" smtClean="0"/>
-              <a:t>5/3/2021</a:t>
+              <a:t>1/31/2023</a:t>
             </a:fld>
             <a:endParaRPr lang="en-US"/>
           </a:p>
@@ -2613,7 +2706,7 @@
           <a:p>
             <a:fld id="{857C8E90-7EDD-4CDC-BF79-D3D421C99482}" type="datetimeFigureOut">
               <a:rPr lang="en-US" smtClean="0"/>
-              <a:t>5/3/2021</a:t>
+              <a:t>1/31/2023</a:t>
             </a:fld>
             <a:endParaRPr lang="en-US"/>
           </a:p>
@@ -2708,7 +2801,7 @@
           <a:p>
             <a:fld id="{857C8E90-7EDD-4CDC-BF79-D3D421C99482}" type="datetimeFigureOut">
               <a:rPr lang="en-US" smtClean="0"/>
-              <a:t>5/3/2021</a:t>
+              <a:t>1/31/2023</a:t>
             </a:fld>
             <a:endParaRPr lang="en-US"/>
           </a:p>
@@ -2985,7 +3078,7 @@
           <a:p>
             <a:fld id="{857C8E90-7EDD-4CDC-BF79-D3D421C99482}" type="datetimeFigureOut">
               <a:rPr lang="en-US" smtClean="0"/>
-              <a:t>5/3/2021</a:t>
+              <a:t>1/31/2023</a:t>
             </a:fld>
             <a:endParaRPr lang="en-US"/>
           </a:p>
@@ -3242,7 +3335,7 @@
           <a:p>
             <a:fld id="{857C8E90-7EDD-4CDC-BF79-D3D421C99482}" type="datetimeFigureOut">
               <a:rPr lang="en-US" smtClean="0"/>
-              <a:t>5/3/2021</a:t>
+              <a:t>1/31/2023</a:t>
             </a:fld>
             <a:endParaRPr lang="en-US"/>
           </a:p>
@@ -3455,7 +3548,7 @@
           <a:p>
             <a:fld id="{857C8E90-7EDD-4CDC-BF79-D3D421C99482}" type="datetimeFigureOut">
               <a:rPr lang="en-US" smtClean="0"/>
-              <a:t>5/3/2021</a:t>
+              <a:t>1/31/2023</a:t>
             </a:fld>
             <a:endParaRPr lang="en-US"/>
           </a:p>
@@ -3862,7 +3955,7 @@
       </p:grpSpPr>
       <p:graphicFrame>
         <p:nvGraphicFramePr>
-          <p:cNvPr id="4" name="Chart 3">
+          <p:cNvPr id="3" name="Chart 2">
             <a:extLst>
               <a:ext uri="{FF2B5EF4-FFF2-40B4-BE49-F238E27FC236}">
                 <a16:creationId xmlns:a16="http://schemas.microsoft.com/office/drawing/2014/main" id="{B72793C7-7516-41B0-B1E5-540FC41DFD5A}"/>
@@ -3875,7 +3968,7 @@
           <p:nvPr>
             <p:extLst>
               <p:ext uri="{D42A27DB-BD31-4B8C-83A1-F6EECF244321}">
-                <p14:modId xmlns:p14="http://schemas.microsoft.com/office/powerpoint/2010/main" val="4103193873"/>
+                <p14:modId xmlns:p14="http://schemas.microsoft.com/office/powerpoint/2010/main" val="523637453"/>
               </p:ext>
             </p:extLst>
           </p:nvPr>
@@ -4162,4 +4255,256 @@
     </a:ext>
   </a:extLst>
 </a:theme>
+</file>
+
+<file path=ppt/theme/themeOverride1.xml><?xml version="1.0" encoding="utf-8"?>
+<a:themeOverride xmlns:a="http://schemas.openxmlformats.org/drawingml/2006/main">
+  <a:clrScheme name="Office Theme">
+    <a:dk1>
+      <a:sysClr val="windowText" lastClr="000000"/>
+    </a:dk1>
+    <a:lt1>
+      <a:sysClr val="window" lastClr="FFFFFF"/>
+    </a:lt1>
+    <a:dk2>
+      <a:srgbClr val="44546A"/>
+    </a:dk2>
+    <a:lt2>
+      <a:srgbClr val="E7E6E6"/>
+    </a:lt2>
+    <a:accent1>
+      <a:srgbClr val="4472C4"/>
+    </a:accent1>
+    <a:accent2>
+      <a:srgbClr val="ED7D31"/>
+    </a:accent2>
+    <a:accent3>
+      <a:srgbClr val="A5A5A5"/>
+    </a:accent3>
+    <a:accent4>
+      <a:srgbClr val="FFC000"/>
+    </a:accent4>
+    <a:accent5>
+      <a:srgbClr val="5B9BD5"/>
+    </a:accent5>
+    <a:accent6>
+      <a:srgbClr val="70AD47"/>
+    </a:accent6>
+    <a:hlink>
+      <a:srgbClr val="0563C1"/>
+    </a:hlink>
+    <a:folHlink>
+      <a:srgbClr val="954F72"/>
+    </a:folHlink>
+  </a:clrScheme>
+  <a:fontScheme name="Office Theme">
+    <a:majorFont>
+      <a:latin typeface="Calibri Light" panose="020F0302020204030204"/>
+      <a:ea typeface=""/>
+      <a:cs typeface=""/>
+      <a:font script="Jpan" typeface="游ゴシック Light"/>
+      <a:font script="Hang" typeface="맑은 고딕"/>
+      <a:font script="Hans" typeface="等线 Light"/>
+      <a:font script="Hant" typeface="新細明體"/>
+      <a:font script="Arab" typeface="Times New Roman"/>
+      <a:font script="Hebr" typeface="Times New Roman"/>
+      <a:font script="Thai" typeface="Angsana New"/>
+      <a:font script="Ethi" typeface="Nyala"/>
+      <a:font script="Beng" typeface="Vrinda"/>
+      <a:font script="Gujr" typeface="Shruti"/>
+      <a:font script="Khmr" typeface="MoolBoran"/>
+      <a:font script="Knda" typeface="Tunga"/>
+      <a:font script="Guru" typeface="Raavi"/>
+      <a:font script="Cans" typeface="Euphemia"/>
+      <a:font script="Cher" typeface="Plantagenet Cherokee"/>
+      <a:font script="Yiii" typeface="Microsoft Yi Baiti"/>
+      <a:font script="Tibt" typeface="Microsoft Himalaya"/>
+      <a:font script="Thaa" typeface="MV Boli"/>
+      <a:font script="Deva" typeface="Mangal"/>
+      <a:font script="Telu" typeface="Gautami"/>
+      <a:font script="Taml" typeface="Latha"/>
+      <a:font script="Syrc" typeface="Estrangelo Edessa"/>
+      <a:font script="Orya" typeface="Kalinga"/>
+      <a:font script="Mlym" typeface="Kartika"/>
+      <a:font script="Laoo" typeface="DokChampa"/>
+      <a:font script="Sinh" typeface="Iskoola Pota"/>
+      <a:font script="Mong" typeface="Mongolian Baiti"/>
+      <a:font script="Viet" typeface="Times New Roman"/>
+      <a:font script="Uigh" typeface="Microsoft Uighur"/>
+      <a:font script="Geor" typeface="Sylfaen"/>
+    </a:majorFont>
+    <a:minorFont>
+      <a:latin typeface="Calibri" panose="020F0502020204030204"/>
+      <a:ea typeface=""/>
+      <a:cs typeface=""/>
+      <a:font script="Jpan" typeface="游ゴシック"/>
+      <a:font script="Hang" typeface="맑은 고딕"/>
+      <a:font script="Hans" typeface="等线"/>
+      <a:font script="Hant" typeface="新細明體"/>
+      <a:font script="Arab" typeface="Arial"/>
+      <a:font script="Hebr" typeface="Arial"/>
+      <a:font script="Thai" typeface="Cordia New"/>
+      <a:font script="Ethi" typeface="Nyala"/>
+      <a:font script="Beng" typeface="Vrinda"/>
+      <a:font script="Gujr" typeface="Shruti"/>
+      <a:font script="Khmr" typeface="DaunPenh"/>
+      <a:font script="Knda" typeface="Tunga"/>
+      <a:font script="Guru" typeface="Raavi"/>
+      <a:font script="Cans" typeface="Euphemia"/>
+      <a:font script="Cher" typeface="Plantagenet Cherokee"/>
+      <a:font script="Yiii" typeface="Microsoft Yi Baiti"/>
+      <a:font script="Tibt" typeface="Microsoft Himalaya"/>
+      <a:font script="Thaa" typeface="MV Boli"/>
+      <a:font script="Deva" typeface="Mangal"/>
+      <a:font script="Telu" typeface="Gautami"/>
+      <a:font script="Taml" typeface="Latha"/>
+      <a:font script="Syrc" typeface="Estrangelo Edessa"/>
+      <a:font script="Orya" typeface="Kalinga"/>
+      <a:font script="Mlym" typeface="Kartika"/>
+      <a:font script="Laoo" typeface="DokChampa"/>
+      <a:font script="Sinh" typeface="Iskoola Pota"/>
+      <a:font script="Mong" typeface="Mongolian Baiti"/>
+      <a:font script="Viet" typeface="Arial"/>
+      <a:font script="Uigh" typeface="Microsoft Uighur"/>
+      <a:font script="Geor" typeface="Sylfaen"/>
+    </a:minorFont>
+  </a:fontScheme>
+  <a:fmtScheme name="Office Theme">
+    <a:fillStyleLst>
+      <a:solidFill>
+        <a:schemeClr val="phClr"/>
+      </a:solidFill>
+      <a:gradFill rotWithShape="1">
+        <a:gsLst>
+          <a:gs pos="0">
+            <a:schemeClr val="phClr">
+              <a:lumMod val="110000"/>
+              <a:satMod val="105000"/>
+              <a:tint val="67000"/>
+            </a:schemeClr>
+          </a:gs>
+          <a:gs pos="50000">
+            <a:schemeClr val="phClr">
+              <a:lumMod val="105000"/>
+              <a:satMod val="103000"/>
+              <a:tint val="73000"/>
+            </a:schemeClr>
+          </a:gs>
+          <a:gs pos="100000">
+            <a:schemeClr val="phClr">
+              <a:lumMod val="105000"/>
+              <a:satMod val="109000"/>
+              <a:tint val="81000"/>
+            </a:schemeClr>
+          </a:gs>
+        </a:gsLst>
+        <a:lin ang="5400000" scaled="0"/>
+      </a:gradFill>
+      <a:gradFill rotWithShape="1">
+        <a:gsLst>
+          <a:gs pos="0">
+            <a:schemeClr val="phClr">
+              <a:satMod val="103000"/>
+              <a:lumMod val="102000"/>
+              <a:tint val="94000"/>
+            </a:schemeClr>
+          </a:gs>
+          <a:gs pos="50000">
+            <a:schemeClr val="phClr">
+              <a:satMod val="110000"/>
+              <a:lumMod val="100000"/>
+              <a:shade val="100000"/>
+            </a:schemeClr>
+          </a:gs>
+          <a:gs pos="100000">
+            <a:schemeClr val="phClr">
+              <a:lumMod val="99000"/>
+              <a:satMod val="120000"/>
+              <a:shade val="78000"/>
+            </a:schemeClr>
+          </a:gs>
+        </a:gsLst>
+        <a:lin ang="5400000" scaled="0"/>
+      </a:gradFill>
+    </a:fillStyleLst>
+    <a:lnStyleLst>
+      <a:ln w="6350" cap="flat" cmpd="sng" algn="ctr">
+        <a:solidFill>
+          <a:schemeClr val="phClr"/>
+        </a:solidFill>
+        <a:prstDash val="solid"/>
+        <a:miter lim="800000"/>
+      </a:ln>
+      <a:ln w="12700" cap="flat" cmpd="sng" algn="ctr">
+        <a:solidFill>
+          <a:schemeClr val="phClr"/>
+        </a:solidFill>
+        <a:prstDash val="solid"/>
+        <a:miter lim="800000"/>
+      </a:ln>
+      <a:ln w="19050" cap="flat" cmpd="sng" algn="ctr">
+        <a:solidFill>
+          <a:schemeClr val="phClr"/>
+        </a:solidFill>
+        <a:prstDash val="solid"/>
+        <a:miter lim="800000"/>
+      </a:ln>
+    </a:lnStyleLst>
+    <a:effectStyleLst>
+      <a:effectStyle>
+        <a:effectLst/>
+      </a:effectStyle>
+      <a:effectStyle>
+        <a:effectLst/>
+      </a:effectStyle>
+      <a:effectStyle>
+        <a:effectLst>
+          <a:outerShdw blurRad="57150" dist="19050" dir="5400000" algn="ctr" rotWithShape="0">
+            <a:srgbClr val="000000">
+              <a:alpha val="63000"/>
+            </a:srgbClr>
+          </a:outerShdw>
+        </a:effectLst>
+      </a:effectStyle>
+    </a:effectStyleLst>
+    <a:bgFillStyleLst>
+      <a:solidFill>
+        <a:schemeClr val="phClr"/>
+      </a:solidFill>
+      <a:solidFill>
+        <a:schemeClr val="phClr">
+          <a:tint val="95000"/>
+          <a:satMod val="170000"/>
+        </a:schemeClr>
+      </a:solidFill>
+      <a:gradFill rotWithShape="1">
+        <a:gsLst>
+          <a:gs pos="0">
+            <a:schemeClr val="phClr">
+              <a:tint val="93000"/>
+              <a:satMod val="150000"/>
+              <a:shade val="98000"/>
+              <a:lumMod val="102000"/>
+            </a:schemeClr>
+          </a:gs>
+          <a:gs pos="50000">
+            <a:schemeClr val="phClr">
+              <a:tint val="98000"/>
+              <a:satMod val="130000"/>
+              <a:shade val="90000"/>
+              <a:lumMod val="103000"/>
+            </a:schemeClr>
+          </a:gs>
+          <a:gs pos="100000">
+            <a:schemeClr val="phClr">
+              <a:shade val="63000"/>
+              <a:satMod val="120000"/>
+            </a:schemeClr>
+          </a:gs>
+        </a:gsLst>
+        <a:lin ang="5400000" scaled="0"/>
+      </a:gradFill>
+    </a:bgFillStyleLst>
+  </a:fmtScheme>
+</a:themeOverride>
 </file>